--- a/doc/source/NoveltyVsUtility@CFD.pptx
+++ b/doc/source/NoveltyVsUtility@CFD.pptx
@@ -3725,15 +3725,7 @@
                   <a:schemeClr val="tx1"/>
                 </a:solidFill>
               </a:rPr>
-              <a:t>の</a:t>
-            </a:r>
-            <a:r>
-              <a:rPr lang="ja-JP" altLang="en-US" b="1" dirty="0" smtClean="0">
-                <a:solidFill>
-                  <a:schemeClr val="tx1"/>
-                </a:solidFill>
-              </a:rPr>
-              <a:t>進歩</a:t>
+              <a:t>の進歩</a:t>
             </a:r>
             <a:endParaRPr kumimoji="1" lang="ja-JP" altLang="en-US" b="1" dirty="0">
               <a:solidFill>
@@ -4009,40 +4001,6 @@
       </p:sp>
       <p:sp>
         <p:nvSpPr>
-          <p:cNvPr id="29" name="テキスト ボックス 28"/>
-          <p:cNvSpPr txBox="1"/>
-          <p:nvPr/>
-        </p:nvSpPr>
-        <p:spPr>
-          <a:xfrm>
-            <a:off x="2915816" y="2555612"/>
-            <a:ext cx="1762021" cy="369332"/>
-          </a:xfrm>
-          <a:prstGeom prst="rect">
-            <a:avLst/>
-          </a:prstGeom>
-          <a:noFill/>
-        </p:spPr>
-        <p:txBody>
-          <a:bodyPr wrap="none" rtlCol="0">
-            <a:spAutoFit/>
-          </a:bodyPr>
-          <a:lstStyle/>
-          <a:p>
-            <a:r>
-              <a:rPr lang="ja-JP" altLang="en-US" dirty="0" smtClean="0"/>
-              <a:t>利益を生む</a:t>
-            </a:r>
-            <a:r>
-              <a:rPr lang="ja-JP" altLang="en-US" dirty="0" smtClean="0"/>
-              <a:t>技術</a:t>
-            </a:r>
-            <a:endParaRPr lang="en-US" altLang="ja-JP" dirty="0" smtClean="0"/>
-          </a:p>
-        </p:txBody>
-      </p:sp>
-      <p:sp>
-        <p:nvSpPr>
           <p:cNvPr id="30" name="テキスト ボックス 29"/>
           <p:cNvSpPr txBox="1"/>
           <p:nvPr/>
@@ -4065,7 +4023,37 @@
           <a:p>
             <a:r>
               <a:rPr lang="ja-JP" altLang="en-US" dirty="0" smtClean="0"/>
-              <a:t>枯れた</a:t>
+              <a:t>枯れた技術</a:t>
+            </a:r>
+            <a:endParaRPr lang="en-US" altLang="ja-JP" dirty="0" smtClean="0"/>
+          </a:p>
+        </p:txBody>
+      </p:sp>
+      <p:sp>
+        <p:nvSpPr>
+          <p:cNvPr id="28" name="テキスト ボックス 27"/>
+          <p:cNvSpPr txBox="1"/>
+          <p:nvPr/>
+        </p:nvSpPr>
+        <p:spPr>
+          <a:xfrm>
+            <a:off x="3059832" y="2555612"/>
+            <a:ext cx="1515158" cy="369332"/>
+          </a:xfrm>
+          <a:prstGeom prst="rect">
+            <a:avLst/>
+          </a:prstGeom>
+          <a:noFill/>
+        </p:spPr>
+        <p:txBody>
+          <a:bodyPr wrap="none" rtlCol="0">
+            <a:spAutoFit/>
+          </a:bodyPr>
+          <a:lstStyle/>
+          <a:p>
+            <a:r>
+              <a:rPr lang="ja-JP" altLang="en-US" dirty="0"/>
+              <a:t>実のなる</a:t>
             </a:r>
             <a:r>
               <a:rPr lang="ja-JP" altLang="en-US" dirty="0" smtClean="0"/>
